--- a/Prototype3/modelingClasses.pptx
+++ b/Prototype3/modelingClasses.pptx
@@ -269,7 +269,7 @@
           <a:p>
             <a:fld id="{B7093E0C-76A6-4CE3-807B-E3536833713B}" type="datetimeFigureOut">
               <a:rPr lang="pt-BR" smtClean="0"/>
-              <a:t>01/05/2020</a:t>
+              <a:t>02/05/2020</a:t>
             </a:fld>
             <a:endParaRPr lang="pt-BR"/>
           </a:p>
@@ -467,7 +467,7 @@
           <a:p>
             <a:fld id="{B7093E0C-76A6-4CE3-807B-E3536833713B}" type="datetimeFigureOut">
               <a:rPr lang="pt-BR" smtClean="0"/>
-              <a:t>01/05/2020</a:t>
+              <a:t>02/05/2020</a:t>
             </a:fld>
             <a:endParaRPr lang="pt-BR"/>
           </a:p>
@@ -675,7 +675,7 @@
           <a:p>
             <a:fld id="{B7093E0C-76A6-4CE3-807B-E3536833713B}" type="datetimeFigureOut">
               <a:rPr lang="pt-BR" smtClean="0"/>
-              <a:t>01/05/2020</a:t>
+              <a:t>02/05/2020</a:t>
             </a:fld>
             <a:endParaRPr lang="pt-BR"/>
           </a:p>
@@ -873,7 +873,7 @@
           <a:p>
             <a:fld id="{B7093E0C-76A6-4CE3-807B-E3536833713B}" type="datetimeFigureOut">
               <a:rPr lang="pt-BR" smtClean="0"/>
-              <a:t>01/05/2020</a:t>
+              <a:t>02/05/2020</a:t>
             </a:fld>
             <a:endParaRPr lang="pt-BR"/>
           </a:p>
@@ -1148,7 +1148,7 @@
           <a:p>
             <a:fld id="{B7093E0C-76A6-4CE3-807B-E3536833713B}" type="datetimeFigureOut">
               <a:rPr lang="pt-BR" smtClean="0"/>
-              <a:t>01/05/2020</a:t>
+              <a:t>02/05/2020</a:t>
             </a:fld>
             <a:endParaRPr lang="pt-BR"/>
           </a:p>
@@ -1413,7 +1413,7 @@
           <a:p>
             <a:fld id="{B7093E0C-76A6-4CE3-807B-E3536833713B}" type="datetimeFigureOut">
               <a:rPr lang="pt-BR" smtClean="0"/>
-              <a:t>01/05/2020</a:t>
+              <a:t>02/05/2020</a:t>
             </a:fld>
             <a:endParaRPr lang="pt-BR"/>
           </a:p>
@@ -1825,7 +1825,7 @@
           <a:p>
             <a:fld id="{B7093E0C-76A6-4CE3-807B-E3536833713B}" type="datetimeFigureOut">
               <a:rPr lang="pt-BR" smtClean="0"/>
-              <a:t>01/05/2020</a:t>
+              <a:t>02/05/2020</a:t>
             </a:fld>
             <a:endParaRPr lang="pt-BR"/>
           </a:p>
@@ -1966,7 +1966,7 @@
           <a:p>
             <a:fld id="{B7093E0C-76A6-4CE3-807B-E3536833713B}" type="datetimeFigureOut">
               <a:rPr lang="pt-BR" smtClean="0"/>
-              <a:t>01/05/2020</a:t>
+              <a:t>02/05/2020</a:t>
             </a:fld>
             <a:endParaRPr lang="pt-BR"/>
           </a:p>
@@ -2079,7 +2079,7 @@
           <a:p>
             <a:fld id="{B7093E0C-76A6-4CE3-807B-E3536833713B}" type="datetimeFigureOut">
               <a:rPr lang="pt-BR" smtClean="0"/>
-              <a:t>01/05/2020</a:t>
+              <a:t>02/05/2020</a:t>
             </a:fld>
             <a:endParaRPr lang="pt-BR"/>
           </a:p>
@@ -2390,7 +2390,7 @@
           <a:p>
             <a:fld id="{B7093E0C-76A6-4CE3-807B-E3536833713B}" type="datetimeFigureOut">
               <a:rPr lang="pt-BR" smtClean="0"/>
-              <a:t>01/05/2020</a:t>
+              <a:t>02/05/2020</a:t>
             </a:fld>
             <a:endParaRPr lang="pt-BR"/>
           </a:p>
@@ -2678,7 +2678,7 @@
           <a:p>
             <a:fld id="{B7093E0C-76A6-4CE3-807B-E3536833713B}" type="datetimeFigureOut">
               <a:rPr lang="pt-BR" smtClean="0"/>
-              <a:t>01/05/2020</a:t>
+              <a:t>02/05/2020</a:t>
             </a:fld>
             <a:endParaRPr lang="pt-BR"/>
           </a:p>
@@ -2919,7 +2919,7 @@
           <a:p>
             <a:fld id="{B7093E0C-76A6-4CE3-807B-E3536833713B}" type="datetimeFigureOut">
               <a:rPr lang="pt-BR" smtClean="0"/>
-              <a:t>01/05/2020</a:t>
+              <a:t>02/05/2020</a:t>
             </a:fld>
             <a:endParaRPr lang="pt-BR"/>
           </a:p>
@@ -5714,8 +5714,8 @@
         </p:blipFill>
         <p:spPr>
           <a:xfrm>
-            <a:off x="1274466" y="1491854"/>
-            <a:ext cx="4204798" cy="3021305"/>
+            <a:off x="1962362" y="640272"/>
+            <a:ext cx="5072467" cy="3644758"/>
           </a:xfrm>
           <a:prstGeom prst="rect">
             <a:avLst/>
@@ -5744,8 +5744,8 @@
         </p:blipFill>
         <p:spPr>
           <a:xfrm>
-            <a:off x="1274466" y="4442552"/>
-            <a:ext cx="4279853" cy="1911626"/>
+            <a:off x="1962362" y="4258940"/>
+            <a:ext cx="5176669" cy="2304841"/>
           </a:xfrm>
           <a:prstGeom prst="rect">
             <a:avLst/>
@@ -5768,7 +5768,12 @@
             <p:ph type="title"/>
           </p:nvPr>
         </p:nvSpPr>
-        <p:spPr/>
+        <p:spPr>
+          <a:xfrm>
+            <a:off x="66413" y="0"/>
+            <a:ext cx="10515600" cy="1325563"/>
+          </a:xfrm>
+        </p:spPr>
         <p:txBody>
           <a:bodyPr/>
           <a:lstStyle/>
@@ -5780,66 +5785,485 @@
           </a:p>
         </p:txBody>
       </p:sp>
-      <p:pic>
-        <p:nvPicPr>
-          <p:cNvPr id="6" name="Imagem 5">
-            <a:extLst>
-              <a:ext uri="{FF2B5EF4-FFF2-40B4-BE49-F238E27FC236}">
-                <a16:creationId xmlns:a16="http://schemas.microsoft.com/office/drawing/2014/main" id="{182CE4B8-1292-4F77-A10F-88F021A2C368}"/>
-              </a:ext>
-            </a:extLst>
-          </p:cNvPr>
-          <p:cNvPicPr>
-            <a:picLocks noChangeAspect="1"/>
-          </p:cNvPicPr>
+      <p:grpSp>
+        <p:nvGrpSpPr>
+          <p:cNvPr id="3" name="Agrupar 2">
+            <a:extLst>
+              <a:ext uri="{FF2B5EF4-FFF2-40B4-BE49-F238E27FC236}">
+                <a16:creationId xmlns:a16="http://schemas.microsoft.com/office/drawing/2014/main" id="{82ACFF3F-C2A5-485A-B90E-0CCDBC17FB22}"/>
+              </a:ext>
+            </a:extLst>
+          </p:cNvPr>
+          <p:cNvGrpSpPr/>
           <p:nvPr/>
-        </p:nvPicPr>
-        <p:blipFill>
-          <a:blip r:embed="rId4"/>
-          <a:stretch>
-            <a:fillRect/>
-          </a:stretch>
-        </p:blipFill>
-        <p:spPr>
-          <a:xfrm>
-            <a:off x="7366120" y="1316517"/>
-            <a:ext cx="2495238" cy="2942857"/>
+        </p:nvGrpSpPr>
+        <p:grpSpPr>
+          <a:xfrm>
+            <a:off x="8620723" y="2742649"/>
+            <a:ext cx="1857393" cy="3990097"/>
+            <a:chOff x="7366120" y="1316517"/>
+            <a:chExt cx="2495238" cy="5037661"/>
+          </a:xfrm>
+        </p:grpSpPr>
+        <p:pic>
+          <p:nvPicPr>
+            <p:cNvPr id="6" name="Imagem 5">
+              <a:extLst>
+                <a:ext uri="{FF2B5EF4-FFF2-40B4-BE49-F238E27FC236}">
+                  <a16:creationId xmlns:a16="http://schemas.microsoft.com/office/drawing/2014/main" id="{182CE4B8-1292-4F77-A10F-88F021A2C368}"/>
+                </a:ext>
+              </a:extLst>
+            </p:cNvPr>
+            <p:cNvPicPr>
+              <a:picLocks noChangeAspect="1"/>
+            </p:cNvPicPr>
+            <p:nvPr/>
+          </p:nvPicPr>
+          <p:blipFill>
+            <a:blip r:embed="rId4"/>
+            <a:stretch>
+              <a:fillRect/>
+            </a:stretch>
+          </p:blipFill>
+          <p:spPr>
+            <a:xfrm>
+              <a:off x="7366120" y="1316517"/>
+              <a:ext cx="2495238" cy="2942857"/>
+            </a:xfrm>
+            <a:prstGeom prst="rect">
+              <a:avLst/>
+            </a:prstGeom>
+          </p:spPr>
+        </p:pic>
+        <p:pic>
+          <p:nvPicPr>
+            <p:cNvPr id="7" name="Imagem 6">
+              <a:extLst>
+                <a:ext uri="{FF2B5EF4-FFF2-40B4-BE49-F238E27FC236}">
+                  <a16:creationId xmlns:a16="http://schemas.microsoft.com/office/drawing/2014/main" id="{225C873F-D6D1-4EB1-9BBF-162401D259B8}"/>
+                </a:ext>
+              </a:extLst>
+            </p:cNvPr>
+            <p:cNvPicPr>
+              <a:picLocks noChangeAspect="1"/>
+            </p:cNvPicPr>
+            <p:nvPr/>
+          </p:nvPicPr>
+          <p:blipFill>
+            <a:blip r:embed="rId5"/>
+            <a:stretch>
+              <a:fillRect/>
+            </a:stretch>
+          </p:blipFill>
+          <p:spPr>
+            <a:xfrm>
+              <a:off x="7543344" y="4258940"/>
+              <a:ext cx="2318014" cy="2095238"/>
+            </a:xfrm>
+            <a:prstGeom prst="rect">
+              <a:avLst/>
+            </a:prstGeom>
+          </p:spPr>
+        </p:pic>
+      </p:grpSp>
+      <p:sp>
+        <p:nvSpPr>
+          <p:cNvPr id="8" name="Retângulo 7">
+            <a:extLst>
+              <a:ext uri="{FF2B5EF4-FFF2-40B4-BE49-F238E27FC236}">
+                <a16:creationId xmlns:a16="http://schemas.microsoft.com/office/drawing/2014/main" id="{652C7BD0-00BB-44B2-8F9B-F41809235BF8}"/>
+              </a:ext>
+            </a:extLst>
+          </p:cNvPr>
+          <p:cNvSpPr/>
+          <p:nvPr/>
+        </p:nvSpPr>
+        <p:spPr>
+          <a:xfrm>
+            <a:off x="8752644" y="1433696"/>
+            <a:ext cx="2727052" cy="1384994"/>
           </a:xfrm>
           <a:prstGeom prst="rect">
             <a:avLst/>
           </a:prstGeom>
-        </p:spPr>
-      </p:pic>
-      <p:pic>
-        <p:nvPicPr>
-          <p:cNvPr id="7" name="Imagem 6">
-            <a:extLst>
-              <a:ext uri="{FF2B5EF4-FFF2-40B4-BE49-F238E27FC236}">
-                <a16:creationId xmlns:a16="http://schemas.microsoft.com/office/drawing/2014/main" id="{225C873F-D6D1-4EB1-9BBF-162401D259B8}"/>
-              </a:ext>
-            </a:extLst>
-          </p:cNvPr>
-          <p:cNvPicPr>
-            <a:picLocks noChangeAspect="1"/>
-          </p:cNvPicPr>
+          <a:solidFill>
+            <a:schemeClr val="bg1"/>
+          </a:solidFill>
+          <a:ln>
+            <a:solidFill>
+              <a:schemeClr val="tx1"/>
+            </a:solidFill>
+          </a:ln>
+        </p:spPr>
+        <p:style>
+          <a:lnRef idx="2">
+            <a:schemeClr val="accent1">
+              <a:shade val="50000"/>
+            </a:schemeClr>
+          </a:lnRef>
+          <a:fillRef idx="1">
+            <a:schemeClr val="accent1"/>
+          </a:fillRef>
+          <a:effectRef idx="0">
+            <a:schemeClr val="accent1"/>
+          </a:effectRef>
+          <a:fontRef idx="minor">
+            <a:schemeClr val="lt1"/>
+          </a:fontRef>
+        </p:style>
+        <p:txBody>
+          <a:bodyPr rtlCol="0" anchor="ctr"/>
+          <a:lstStyle/>
+          <a:p>
+            <a:pPr algn="ctr"/>
+            <a:endParaRPr lang="pt-BR"/>
+          </a:p>
+        </p:txBody>
+      </p:sp>
+      <p:cxnSp>
+        <p:nvCxnSpPr>
+          <p:cNvPr id="10" name="Conector reto 9">
+            <a:extLst>
+              <a:ext uri="{FF2B5EF4-FFF2-40B4-BE49-F238E27FC236}">
+                <a16:creationId xmlns:a16="http://schemas.microsoft.com/office/drawing/2014/main" id="{994C6D86-3028-472B-A6CC-9E2DED16CA57}"/>
+              </a:ext>
+            </a:extLst>
+          </p:cNvPr>
+          <p:cNvCxnSpPr/>
           <p:nvPr/>
-        </p:nvPicPr>
-        <p:blipFill>
-          <a:blip r:embed="rId5"/>
-          <a:stretch>
-            <a:fillRect/>
-          </a:stretch>
-        </p:blipFill>
-        <p:spPr>
-          <a:xfrm>
-            <a:off x="7543344" y="4258940"/>
-            <a:ext cx="2318014" cy="2095238"/>
+        </p:nvCxnSpPr>
+        <p:spPr>
+          <a:xfrm>
+            <a:off x="8752644" y="1570383"/>
+            <a:ext cx="2727052" cy="0"/>
+          </a:xfrm>
+          <a:prstGeom prst="line">
+            <a:avLst/>
+          </a:prstGeom>
+          <a:ln>
+            <a:solidFill>
+              <a:schemeClr val="tx1"/>
+            </a:solidFill>
+          </a:ln>
+        </p:spPr>
+        <p:style>
+          <a:lnRef idx="1">
+            <a:schemeClr val="accent1"/>
+          </a:lnRef>
+          <a:fillRef idx="0">
+            <a:schemeClr val="accent1"/>
+          </a:fillRef>
+          <a:effectRef idx="0">
+            <a:schemeClr val="accent1"/>
+          </a:effectRef>
+          <a:fontRef idx="minor">
+            <a:schemeClr val="tx1"/>
+          </a:fontRef>
+        </p:style>
+      </p:cxnSp>
+      <p:cxnSp>
+        <p:nvCxnSpPr>
+          <p:cNvPr id="11" name="Conector reto 10">
+            <a:extLst>
+              <a:ext uri="{FF2B5EF4-FFF2-40B4-BE49-F238E27FC236}">
+                <a16:creationId xmlns:a16="http://schemas.microsoft.com/office/drawing/2014/main" id="{1CD75F00-A0E0-4CEC-B7A5-741F7AC79AFE}"/>
+              </a:ext>
+            </a:extLst>
+          </p:cNvPr>
+          <p:cNvCxnSpPr/>
+          <p:nvPr/>
+        </p:nvCxnSpPr>
+        <p:spPr>
+          <a:xfrm>
+            <a:off x="8752644" y="1722783"/>
+            <a:ext cx="2727052" cy="0"/>
+          </a:xfrm>
+          <a:prstGeom prst="line">
+            <a:avLst/>
+          </a:prstGeom>
+          <a:ln>
+            <a:solidFill>
+              <a:schemeClr val="tx1"/>
+            </a:solidFill>
+          </a:ln>
+        </p:spPr>
+        <p:style>
+          <a:lnRef idx="1">
+            <a:schemeClr val="accent1"/>
+          </a:lnRef>
+          <a:fillRef idx="0">
+            <a:schemeClr val="accent1"/>
+          </a:fillRef>
+          <a:effectRef idx="0">
+            <a:schemeClr val="accent1"/>
+          </a:effectRef>
+          <a:fontRef idx="minor">
+            <a:schemeClr val="tx1"/>
+          </a:fontRef>
+        </p:style>
+      </p:cxnSp>
+      <p:sp>
+        <p:nvSpPr>
+          <p:cNvPr id="12" name="CaixaDeTexto 11">
+            <a:extLst>
+              <a:ext uri="{FF2B5EF4-FFF2-40B4-BE49-F238E27FC236}">
+                <a16:creationId xmlns:a16="http://schemas.microsoft.com/office/drawing/2014/main" id="{6BB142FA-AB95-4E64-A2F5-0786337EA89C}"/>
+              </a:ext>
+            </a:extLst>
+          </p:cNvPr>
+          <p:cNvSpPr txBox="1"/>
+          <p:nvPr/>
+        </p:nvSpPr>
+        <p:spPr>
+          <a:xfrm>
+            <a:off x="8752644" y="1113183"/>
+            <a:ext cx="2727052" cy="369332"/>
           </a:xfrm>
           <a:prstGeom prst="rect">
             <a:avLst/>
           </a:prstGeom>
-        </p:spPr>
-      </p:pic>
+          <a:noFill/>
+        </p:spPr>
+        <p:txBody>
+          <a:bodyPr wrap="square" rtlCol="0">
+            <a:spAutoFit/>
+          </a:bodyPr>
+          <a:lstStyle/>
+          <a:p>
+            <a:r>
+              <a:rPr lang="pt-BR" dirty="0"/>
+              <a:t>search2.py</a:t>
+            </a:r>
+          </a:p>
+        </p:txBody>
+      </p:sp>
+      <p:sp>
+        <p:nvSpPr>
+          <p:cNvPr id="13" name="CaixaDeTexto 12">
+            <a:extLst>
+              <a:ext uri="{FF2B5EF4-FFF2-40B4-BE49-F238E27FC236}">
+                <a16:creationId xmlns:a16="http://schemas.microsoft.com/office/drawing/2014/main" id="{64987DBC-FD19-4F0E-B600-056623991573}"/>
+              </a:ext>
+            </a:extLst>
+          </p:cNvPr>
+          <p:cNvSpPr txBox="1"/>
+          <p:nvPr/>
+        </p:nvSpPr>
+        <p:spPr>
+          <a:xfrm>
+            <a:off x="8736081" y="1792356"/>
+            <a:ext cx="2727052" cy="1554272"/>
+          </a:xfrm>
+          <a:prstGeom prst="rect">
+            <a:avLst/>
+          </a:prstGeom>
+          <a:noFill/>
+        </p:spPr>
+        <p:txBody>
+          <a:bodyPr wrap="square" rtlCol="0">
+            <a:spAutoFit/>
+          </a:bodyPr>
+          <a:lstStyle/>
+          <a:p>
+            <a:r>
+              <a:rPr lang="pt-BR" sz="1100" b="1" dirty="0"/>
+              <a:t>depthFirstSearch(problem)</a:t>
+            </a:r>
+          </a:p>
+          <a:p>
+            <a:r>
+              <a:rPr lang="pt-BR" sz="1100" b="1" dirty="0"/>
+              <a:t>breadthFirstSearch(problem)</a:t>
+            </a:r>
+          </a:p>
+          <a:p>
+            <a:r>
+              <a:rPr lang="pt-BR" sz="1100" b="1" dirty="0"/>
+              <a:t>aStarSearch(problem)</a:t>
+            </a:r>
+          </a:p>
+          <a:p>
+            <a:r>
+              <a:rPr lang="pt-BR" sz="1100" b="1" dirty="0"/>
+              <a:t>greedyBestFirstSearch(problem)</a:t>
+            </a:r>
+          </a:p>
+          <a:p>
+            <a:r>
+              <a:rPr lang="pt-BR" sz="1100" b="1" dirty="0"/>
+              <a:t>hillClimbingSearch(problem)</a:t>
+            </a:r>
+          </a:p>
+          <a:p>
+            <a:r>
+              <a:rPr lang="pt-BR" sz="1100" b="1" dirty="0"/>
+              <a:t>manhattanHeuristic(position, problem)</a:t>
+            </a:r>
+          </a:p>
+          <a:p>
+            <a:endParaRPr lang="pt-BR" sz="1100" b="1" dirty="0"/>
+          </a:p>
+          <a:p>
+            <a:endParaRPr lang="pt-BR" dirty="0"/>
+          </a:p>
+        </p:txBody>
+      </p:sp>
+      <p:cxnSp>
+        <p:nvCxnSpPr>
+          <p:cNvPr id="15" name="Conector de Seta Reta 14">
+            <a:extLst>
+              <a:ext uri="{FF2B5EF4-FFF2-40B4-BE49-F238E27FC236}">
+                <a16:creationId xmlns:a16="http://schemas.microsoft.com/office/drawing/2014/main" id="{C1A19D76-B7F0-49F1-B347-705721AF2092}"/>
+              </a:ext>
+            </a:extLst>
+          </p:cNvPr>
+          <p:cNvCxnSpPr/>
+          <p:nvPr/>
+        </p:nvCxnSpPr>
+        <p:spPr>
+          <a:xfrm>
+            <a:off x="5158409" y="785193"/>
+            <a:ext cx="3577672" cy="1123121"/>
+          </a:xfrm>
+          <a:prstGeom prst="straightConnector1">
+            <a:avLst/>
+          </a:prstGeom>
+          <a:ln>
+            <a:solidFill>
+              <a:schemeClr val="tx1"/>
+            </a:solidFill>
+            <a:tailEnd type="arrow"/>
+          </a:ln>
+        </p:spPr>
+        <p:style>
+          <a:lnRef idx="1">
+            <a:schemeClr val="accent1"/>
+          </a:lnRef>
+          <a:fillRef idx="0">
+            <a:schemeClr val="accent1"/>
+          </a:fillRef>
+          <a:effectRef idx="0">
+            <a:schemeClr val="accent1"/>
+          </a:effectRef>
+          <a:fontRef idx="minor">
+            <a:schemeClr val="tx1"/>
+          </a:fontRef>
+        </p:style>
+      </p:cxnSp>
+      <p:sp>
+        <p:nvSpPr>
+          <p:cNvPr id="17" name="CaixaDeTexto 16">
+            <a:extLst>
+              <a:ext uri="{FF2B5EF4-FFF2-40B4-BE49-F238E27FC236}">
+                <a16:creationId xmlns:a16="http://schemas.microsoft.com/office/drawing/2014/main" id="{62979084-98C0-47B0-A695-396CED3DB59C}"/>
+              </a:ext>
+            </a:extLst>
+          </p:cNvPr>
+          <p:cNvSpPr txBox="1"/>
+          <p:nvPr/>
+        </p:nvSpPr>
+        <p:spPr>
+          <a:xfrm rot="1070280">
+            <a:off x="6132026" y="1106559"/>
+            <a:ext cx="2727052" cy="369332"/>
+          </a:xfrm>
+          <a:prstGeom prst="rect">
+            <a:avLst/>
+          </a:prstGeom>
+          <a:noFill/>
+        </p:spPr>
+        <p:txBody>
+          <a:bodyPr wrap="square" rtlCol="0">
+            <a:spAutoFit/>
+          </a:bodyPr>
+          <a:lstStyle/>
+          <a:p>
+            <a:r>
+              <a:rPr lang="pt-BR" dirty="0"/>
+              <a:t>uses as library</a:t>
+            </a:r>
+          </a:p>
+        </p:txBody>
+      </p:sp>
+      <p:cxnSp>
+        <p:nvCxnSpPr>
+          <p:cNvPr id="18" name="Conector de Seta Reta 17">
+            <a:extLst>
+              <a:ext uri="{FF2B5EF4-FFF2-40B4-BE49-F238E27FC236}">
+                <a16:creationId xmlns:a16="http://schemas.microsoft.com/office/drawing/2014/main" id="{B385CF99-6CEB-4637-88EC-34448CCC7FB9}"/>
+              </a:ext>
+            </a:extLst>
+          </p:cNvPr>
+          <p:cNvCxnSpPr>
+            <a:cxnSpLocks/>
+          </p:cNvCxnSpPr>
+          <p:nvPr/>
+        </p:nvCxnSpPr>
+        <p:spPr>
+          <a:xfrm>
+            <a:off x="5155990" y="904461"/>
+            <a:ext cx="3596654" cy="2136201"/>
+          </a:xfrm>
+          <a:prstGeom prst="straightConnector1">
+            <a:avLst/>
+          </a:prstGeom>
+          <a:ln>
+            <a:solidFill>
+              <a:schemeClr val="tx1"/>
+            </a:solidFill>
+            <a:tailEnd type="arrow"/>
+          </a:ln>
+        </p:spPr>
+        <p:style>
+          <a:lnRef idx="1">
+            <a:schemeClr val="accent1"/>
+          </a:lnRef>
+          <a:fillRef idx="0">
+            <a:schemeClr val="accent1"/>
+          </a:fillRef>
+          <a:effectRef idx="0">
+            <a:schemeClr val="accent1"/>
+          </a:effectRef>
+          <a:fontRef idx="minor">
+            <a:schemeClr val="tx1"/>
+          </a:fontRef>
+        </p:style>
+      </p:cxnSp>
+      <p:sp>
+        <p:nvSpPr>
+          <p:cNvPr id="19" name="CaixaDeTexto 18">
+            <a:extLst>
+              <a:ext uri="{FF2B5EF4-FFF2-40B4-BE49-F238E27FC236}">
+                <a16:creationId xmlns:a16="http://schemas.microsoft.com/office/drawing/2014/main" id="{B9DFFF9D-DAEC-4F08-9B8C-1315E743E668}"/>
+              </a:ext>
+            </a:extLst>
+          </p:cNvPr>
+          <p:cNvSpPr txBox="1"/>
+          <p:nvPr/>
+        </p:nvSpPr>
+        <p:spPr>
+          <a:xfrm rot="1678933">
+            <a:off x="7009642" y="2462673"/>
+            <a:ext cx="2727052" cy="369332"/>
+          </a:xfrm>
+          <a:prstGeom prst="rect">
+            <a:avLst/>
+          </a:prstGeom>
+          <a:noFill/>
+        </p:spPr>
+        <p:txBody>
+          <a:bodyPr wrap="square" rtlCol="0">
+            <a:spAutoFit/>
+          </a:bodyPr>
+          <a:lstStyle/>
+          <a:p>
+            <a:r>
+              <a:rPr lang="pt-BR" dirty="0"/>
+              <a:t>uses</a:t>
+            </a:r>
+          </a:p>
+        </p:txBody>
+      </p:sp>
     </p:spTree>
     <p:extLst>
       <p:ext uri="{BB962C8B-B14F-4D97-AF65-F5344CB8AC3E}">
